--- a/Capston_Template.pptx
+++ b/Capston_Template.pptx
@@ -4780,7 +4780,7 @@
               <a:rPr lang="en-US" sz="5760" dirty="0">
                 <a:latin typeface="+mn-lt"/>
               </a:rPr>
-              <a:t>Family Survey</a:t>
+              <a:t>Family Survey </a:t>
             </a:r>
             <a:br>
               <a:rPr lang="en-US" sz="3520" dirty="0">
@@ -4808,7 +4808,7 @@
           <p:nvPr>
             <p:extLst>
               <p:ext uri="{D42A27DB-BD31-4B8C-83A1-F6EECF244321}">
-                <p14:modId xmlns:p14="http://schemas.microsoft.com/office/powerpoint/2010/main" val="1025622733"/>
+                <p14:modId xmlns:p14="http://schemas.microsoft.com/office/powerpoint/2010/main" val="545183240"/>
               </p:ext>
             </p:extLst>
           </p:nvPr>
@@ -4820,7 +4820,9 @@
         <a:graphic>
           <a:graphicData uri="http://schemas.openxmlformats.org/drawingml/2006/table">
             <a:tbl>
-              <a:tblPr/>
+              <a:tblPr>
+                <a:tableStyleId>{2D5ABB26-0587-4C30-8999-92F81FD0307C}</a:tableStyleId>
+              </a:tblPr>
               <a:tblGrid>
                 <a:gridCol w="12245338">
                   <a:extLst>
@@ -4850,51 +4852,7 @@
                       </a:endParaRPr>
                     </a:p>
                   </a:txBody>
-                  <a:tcPr marL="305668" marR="305668" marT="122246" marB="122246" horzOverflow="overflow">
-                    <a:lnL w="28575" cap="flat" cmpd="sng" algn="ctr">
-                      <a:solidFill>
-                        <a:schemeClr val="tx1"/>
-                      </a:solidFill>
-                      <a:prstDash val="solid"/>
-                      <a:round/>
-                      <a:headEnd type="none" w="med" len="med"/>
-                      <a:tailEnd type="none" w="med" len="med"/>
-                    </a:lnL>
-                    <a:lnR w="28575" cap="flat" cmpd="sng" algn="ctr">
-                      <a:solidFill>
-                        <a:schemeClr val="tx1"/>
-                      </a:solidFill>
-                      <a:prstDash val="solid"/>
-                      <a:round/>
-                      <a:headEnd type="none" w="med" len="med"/>
-                      <a:tailEnd type="none" w="med" len="med"/>
-                    </a:lnR>
-                    <a:lnT w="28575" cap="flat" cmpd="sng" algn="ctr">
-                      <a:solidFill>
-                        <a:schemeClr val="tx1"/>
-                      </a:solidFill>
-                      <a:prstDash val="solid"/>
-                      <a:round/>
-                      <a:headEnd type="none" w="med" len="med"/>
-                      <a:tailEnd type="none" w="med" len="med"/>
-                    </a:lnT>
-                    <a:lnB w="28575" cap="flat" cmpd="sng" algn="ctr">
-                      <a:solidFill>
-                        <a:schemeClr val="tx1"/>
-                      </a:solidFill>
-                      <a:prstDash val="solid"/>
-                      <a:round/>
-                      <a:headEnd type="none" w="med" len="med"/>
-                      <a:tailEnd type="none" w="med" len="med"/>
-                    </a:lnB>
-                    <a:lnTlToBr>
-                      <a:noFill/>
-                    </a:lnTlToBr>
-                    <a:lnBlToTr>
-                      <a:noFill/>
-                    </a:lnBlToTr>
-                    <a:noFill/>
-                  </a:tcPr>
+                  <a:tcPr marL="305668" marR="305668" marT="122246" marB="122246" horzOverflow="overflow"/>
                 </a:tc>
                 <a:extLst>
                   <a:ext uri="{0D108BD9-81ED-4DB2-BD59-A6C34878D82A}">
@@ -5058,21 +5016,21 @@
           <p:nvPr>
             <p:extLst>
               <p:ext uri="{D42A27DB-BD31-4B8C-83A1-F6EECF244321}">
-                <p14:modId xmlns:p14="http://schemas.microsoft.com/office/powerpoint/2010/main" val="3802819125"/>
+                <p14:modId xmlns:p14="http://schemas.microsoft.com/office/powerpoint/2010/main" val="3603472092"/>
               </p:ext>
             </p:extLst>
           </p:nvPr>
         </p:nvGraphicFramePr>
         <p:xfrm>
-          <a:off x="22705978" y="4593446"/>
-          <a:ext cx="9845040" cy="15066154"/>
+          <a:off x="22508669" y="4802854"/>
+          <a:ext cx="10212422" cy="14813932"/>
         </p:xfrm>
         <a:graphic>
           <a:graphicData uri="http://schemas.openxmlformats.org/drawingml/2006/table">
             <a:tbl>
               <a:tblPr/>
               <a:tblGrid>
-                <a:gridCol w="9845040">
+                <a:gridCol w="10212422">
                   <a:extLst>
                     <a:ext uri="{9D8B030D-6E8A-4147-A177-3AD203B41FA5}">
                       <a16:colId xmlns:a16="http://schemas.microsoft.com/office/drawing/2014/main" val="20000"/>
@@ -5080,15 +5038,15 @@
                   </a:extLst>
                 </a:gridCol>
               </a:tblGrid>
-              <a:tr h="15066154">
+              <a:tr h="14503900">
                 <a:tc>
                   <a:txBody>
                     <a:bodyPr/>
                     <a:lstStyle/>
                     <a:p>
-                      <a:pPr marL="0" indent="0" algn="just">
-                        <a:buFont typeface="Arial"/>
-                        <a:buNone/>
+                      <a:pPr marL="571500" indent="-571500" algn="just">
+                        <a:buFont typeface="Arial" panose="020B0604020202020204" pitchFamily="34" charset="0"/>
+                        <a:buChar char="•"/>
                       </a:pPr>
                       <a:r>
                         <a:rPr lang="en-US" sz="4000" kern="1200" baseline="0" dirty="0">
@@ -5099,7 +5057,7 @@
                           <a:ea typeface="+mn-ea"/>
                           <a:cs typeface="+mn-cs"/>
                         </a:rPr>
-                        <a:t>Base on my evidence on research shows that a female spend more time than a male does. This chart shows that a male spend on average 19 min per week, while a women spends 33.1 min per week.</a:t>
+                        <a:t>Based on the data collected, research shows that the female gender typically spends more time with their offspring or child than a male does. The diagram shows that a male spends on average 19 min per week, while a women spends 33.1 min per week. (As seen in F1)</a:t>
                       </a:r>
                     </a:p>
                     <a:p>
@@ -5117,9 +5075,9 @@
                       </a:endParaRPr>
                     </a:p>
                     <a:p>
-                      <a:pPr marL="0" indent="0" algn="just">
-                        <a:buFont typeface="Arial"/>
-                        <a:buNone/>
+                      <a:pPr marL="571500" indent="-571500" algn="just">
+                        <a:buFont typeface="Arial" panose="020B0604020202020204" pitchFamily="34" charset="0"/>
+                        <a:buChar char="•"/>
                       </a:pPr>
                       <a:r>
                         <a:rPr lang="en-US" sz="4000" kern="1200" baseline="0" dirty="0">
@@ -5130,7 +5088,7 @@
                           <a:ea typeface="+mn-ea"/>
                           <a:cs typeface="+mn-cs"/>
                         </a:rPr>
-                        <a:t>It also shows that married couple that have both parents involve spend more time with their children. while never married parents spend less time with their children.</a:t>
+                        <a:t>Research shows that children with both parents spend more time with their kids as opposed to children without both parents or parents that are divorced/separated. (As seen In F3)</a:t>
                       </a:r>
                     </a:p>
                     <a:p>
@@ -5148,9 +5106,9 @@
                       </a:endParaRPr>
                     </a:p>
                     <a:p>
-                      <a:pPr marL="0" indent="0" algn="just">
-                        <a:buFont typeface="Arial"/>
-                        <a:buNone/>
+                      <a:pPr marL="571500" indent="-571500" algn="just">
+                        <a:buFont typeface="Arial" panose="020B0604020202020204" pitchFamily="34" charset="0"/>
+                        <a:buChar char="•"/>
                       </a:pPr>
                       <a:r>
                         <a:rPr lang="en-US" sz="4000" kern="1200" baseline="0" dirty="0">
@@ -5161,7 +5119,7 @@
                           <a:ea typeface="+mn-ea"/>
                           <a:cs typeface="+mn-cs"/>
                         </a:rPr>
-                        <a:t>Working full time or part time does not affect the time spend with their children. The color in the chart is by age. </a:t>
+                        <a:t>Working full time or part time does affect the time parents spend with their children. The color in the chart is by employment status. Red is unemployed parents; the green is for full time working parents and finally the blue is for part time working parents. (As seen in F2)</a:t>
                       </a:r>
                     </a:p>
                     <a:p>
@@ -5387,14 +5345,14 @@
           <p:nvPr>
             <p:extLst>
               <p:ext uri="{D42A27DB-BD31-4B8C-83A1-F6EECF244321}">
-                <p14:modId xmlns:p14="http://schemas.microsoft.com/office/powerpoint/2010/main" val="4018995834"/>
+                <p14:modId xmlns:p14="http://schemas.microsoft.com/office/powerpoint/2010/main" val="1015455107"/>
               </p:ext>
             </p:extLst>
           </p:nvPr>
         </p:nvGraphicFramePr>
         <p:xfrm>
           <a:off x="103697" y="16739953"/>
-          <a:ext cx="9875524" cy="7491647"/>
+          <a:ext cx="9875524" cy="8778892"/>
         </p:xfrm>
         <a:graphic>
           <a:graphicData uri="http://schemas.openxmlformats.org/drawingml/2006/table">
@@ -5420,40 +5378,15 @@
                         <a:buChar char="•"/>
                       </a:pPr>
                       <a:r>
-                        <a:rPr lang="en-US" sz="4400" kern="1200" baseline="0" dirty="0">
+                        <a:rPr lang="en-US" sz="4000" kern="1200" baseline="0" dirty="0">
                           <a:solidFill>
                             <a:schemeClr val="tx1"/>
                           </a:solidFill>
-                          <a:latin typeface="+mn-lt"/>
+                          <a:latin typeface="+mj-lt"/>
                           <a:ea typeface="+mn-ea"/>
-                          <a:cs typeface="+mn-cs"/>
+                          <a:cs typeface="Times New Roman" panose="02020603050405020304" pitchFamily="18" charset="0"/>
                         </a:rPr>
-                        <a:t>Look at the data from the survey from The American Times.</a:t>
-                      </a:r>
-                      <a:endParaRPr lang="en-US" sz="6000" kern="1200" baseline="0" dirty="0">
-                        <a:solidFill>
-                          <a:schemeClr val="tx1"/>
-                        </a:solidFill>
-                        <a:latin typeface="+mn-lt"/>
-                        <a:ea typeface="+mn-ea"/>
-                        <a:cs typeface="+mn-cs"/>
-                      </a:endParaRPr>
-                    </a:p>
-                    <a:p>
-                      <a:pPr marL="857250" indent="-857250" algn="just">
-                        <a:buFont typeface="Arial" panose="020B0604020202020204" pitchFamily="34" charset="0"/>
-                        <a:buChar char="•"/>
-                      </a:pPr>
-                      <a:r>
-                        <a:rPr lang="en-US" sz="4400" kern="1200" baseline="0" dirty="0">
-                          <a:solidFill>
-                            <a:schemeClr val="tx1"/>
-                          </a:solidFill>
-                          <a:latin typeface="+mn-lt"/>
-                          <a:ea typeface="+mn-ea"/>
-                          <a:cs typeface="+mn-cs"/>
-                        </a:rPr>
-                        <a:t>Analyze the survey and organize then into groups by age, income and time.</a:t>
+                        <a:t>Read the analyze the data from The American Times.</a:t>
                       </a:r>
                     </a:p>
                     <a:p>
@@ -5462,15 +5395,15 @@
                         <a:buChar char="•"/>
                       </a:pPr>
                       <a:r>
-                        <a:rPr lang="en-US" sz="4400" kern="1200" baseline="0" dirty="0">
+                        <a:rPr lang="en-US" sz="4000" kern="1200" baseline="0" dirty="0">
                           <a:solidFill>
                             <a:schemeClr val="tx1"/>
                           </a:solidFill>
-                          <a:latin typeface="+mn-lt"/>
+                          <a:latin typeface="+mj-lt"/>
                           <a:ea typeface="+mn-ea"/>
-                          <a:cs typeface="+mn-cs"/>
+                          <a:cs typeface="Times New Roman" panose="02020603050405020304" pitchFamily="18" charset="0"/>
                         </a:rPr>
-                        <a:t>Pot the information</a:t>
+                        <a:t>Use the text from the surveys to get the data to later graph the information.</a:t>
                       </a:r>
                     </a:p>
                     <a:p>
@@ -5478,13 +5411,69 @@
                         <a:buFont typeface="Arial" panose="020B0604020202020204" pitchFamily="34" charset="0"/>
                         <a:buChar char="•"/>
                       </a:pPr>
-                      <a:endParaRPr lang="en-US" sz="3200" kern="1200" baseline="0" dirty="0">
+                      <a:r>
+                        <a:rPr lang="en-US" sz="4000" kern="1200" baseline="0" dirty="0">
+                          <a:solidFill>
+                            <a:schemeClr val="tx1"/>
+                          </a:solidFill>
+                          <a:latin typeface="+mj-lt"/>
+                          <a:ea typeface="+mn-ea"/>
+                          <a:cs typeface="Times New Roman" panose="02020603050405020304" pitchFamily="18" charset="0"/>
+                        </a:rPr>
+                        <a:t>Summarized weather a male for a female spent more time with their children.(f1) </a:t>
+                      </a:r>
+                    </a:p>
+                    <a:p>
+                      <a:pPr marL="857250" indent="-857250" algn="just">
+                        <a:buFont typeface="Arial" panose="020B0604020202020204" pitchFamily="34" charset="0"/>
+                        <a:buChar char="•"/>
+                      </a:pPr>
+                      <a:r>
+                        <a:rPr lang="en-US" sz="4000" kern="1200" baseline="0" dirty="0">
+                          <a:solidFill>
+                            <a:schemeClr val="tx1"/>
+                          </a:solidFill>
+                          <a:latin typeface="+mj-lt"/>
+                          <a:ea typeface="+mn-ea"/>
+                          <a:cs typeface="Times New Roman" panose="02020603050405020304" pitchFamily="18" charset="0"/>
+                        </a:rPr>
+                        <a:t>Review weather A parent working full time or part time influence the time spent with their children.(F2) </a:t>
+                      </a:r>
+                    </a:p>
+                    <a:p>
+                      <a:pPr marL="857250" indent="-857250" algn="just">
+                        <a:buFont typeface="Arial" panose="020B0604020202020204" pitchFamily="34" charset="0"/>
+                        <a:buChar char="•"/>
+                      </a:pPr>
+                      <a:r>
+                        <a:rPr lang="en-US" sz="4000" kern="1200" baseline="0" dirty="0">
+                          <a:solidFill>
+                            <a:schemeClr val="tx1"/>
+                          </a:solidFill>
+                          <a:latin typeface="+mj-lt"/>
+                          <a:ea typeface="+mn-ea"/>
+                          <a:cs typeface="Times New Roman" panose="02020603050405020304" pitchFamily="18" charset="0"/>
+                        </a:rPr>
+                        <a:t>Elaborated if parents being married or not has an outcome on the time spent with their </a:t>
+                      </a:r>
+                      <a:r>
+                        <a:rPr lang="en-US" sz="4000" kern="1200" baseline="0">
+                          <a:solidFill>
+                            <a:schemeClr val="tx1"/>
+                          </a:solidFill>
+                          <a:latin typeface="+mj-lt"/>
+                          <a:ea typeface="+mn-ea"/>
+                          <a:cs typeface="Times New Roman" panose="02020603050405020304" pitchFamily="18" charset="0"/>
+                        </a:rPr>
+                        <a:t>children.(F3)</a:t>
+                      </a:r>
+                      <a:endParaRPr lang="en-US" sz="4000" kern="1200" baseline="0" dirty="0">
                         <a:solidFill>
                           <a:schemeClr val="tx1"/>
                         </a:solidFill>
-                        <a:latin typeface="+mn-lt"/>
+                        <a:latin typeface="+mj-lt"/>
                         <a:ea typeface="+mn-ea"/>
-                        <a:cs typeface="+mn-cs"/>
+                        <a:cs typeface="Times New Roman" panose="02020603050405020304" pitchFamily="18" charset="0"/>
                       </a:endParaRPr>
                     </a:p>
                   </a:txBody>
@@ -5696,7 +5685,7 @@
           <p:nvPr>
             <p:extLst>
               <p:ext uri="{D42A27DB-BD31-4B8C-83A1-F6EECF244321}">
-                <p14:modId xmlns:p14="http://schemas.microsoft.com/office/powerpoint/2010/main" val="3830567066"/>
+                <p14:modId xmlns:p14="http://schemas.microsoft.com/office/powerpoint/2010/main" val="72289379"/>
               </p:ext>
             </p:extLst>
           </p:nvPr>
@@ -5724,6 +5713,37 @@
                     <a:bodyPr/>
                     <a:lstStyle/>
                     <a:p>
+                      <a:pPr marL="571500" marR="0" indent="-571500" algn="just" defTabSz="822960" rtl="0" eaLnBrk="1" fontAlgn="auto" latinLnBrk="0" hangingPunct="1">
+                        <a:lnSpc>
+                          <a:spcPct val="100000"/>
+                        </a:lnSpc>
+                        <a:spcBef>
+                          <a:spcPts val="0"/>
+                        </a:spcBef>
+                        <a:spcAft>
+                          <a:spcPts val="0"/>
+                        </a:spcAft>
+                        <a:buClrTx/>
+                        <a:buSzTx/>
+                        <a:buFont typeface="Arial" panose="020B0604020202020204" pitchFamily="34" charset="0"/>
+                        <a:buChar char="•"/>
+                        <a:tabLst/>
+                        <a:defRPr/>
+                      </a:pPr>
+                      <a:r>
+                        <a:rPr lang="en-US" sz="3600" i="0" kern="1200" dirty="0">
+                          <a:solidFill>
+                            <a:schemeClr val="tx1"/>
+                          </a:solidFill>
+                          <a:effectLst/>
+                          <a:latin typeface="+mn-lt"/>
+                          <a:ea typeface="+mn-ea"/>
+                          <a:cs typeface="+mn-cs"/>
+                        </a:rPr>
+                        <a:t>The US Bureau Of Labor Statistics </a:t>
+                      </a:r>
+                    </a:p>
+                    <a:p>
                       <a:pPr marL="0" marR="0" indent="0" algn="just" defTabSz="822960" rtl="0" eaLnBrk="1" fontAlgn="auto" latinLnBrk="0" hangingPunct="1">
                         <a:lnSpc>
                           <a:spcPct val="100000"/>
@@ -5736,7 +5756,7 @@
                         </a:spcAft>
                         <a:buClrTx/>
                         <a:buSzTx/>
-                        <a:buFont typeface="+mj-lt"/>
+                        <a:buFont typeface="Arial" panose="020B0604020202020204" pitchFamily="34" charset="0"/>
                         <a:buNone/>
                         <a:tabLst/>
                         <a:defRPr/>
@@ -5751,6 +5771,47 @@
                           <a:ea typeface="+mn-ea"/>
                           <a:cs typeface="+mn-cs"/>
                           <a:hlinkClick r:id="rId3"/>
+                        </a:rPr>
+                        <a:t>https://www.bls.gov/tus/lexiconwex2016.pdf</a:t>
+                      </a:r>
+                      <a:endParaRPr lang="en-US" sz="3600" i="0" kern="1200" dirty="0">
+                        <a:solidFill>
+                          <a:schemeClr val="tx1"/>
+                        </a:solidFill>
+                        <a:effectLst/>
+                        <a:latin typeface="+mn-lt"/>
+                        <a:ea typeface="+mn-ea"/>
+                        <a:cs typeface="+mn-cs"/>
+                      </a:endParaRPr>
+                    </a:p>
+                    <a:p>
+                      <a:pPr marL="0" marR="0" indent="0" algn="just" defTabSz="822960" rtl="0" eaLnBrk="1" fontAlgn="auto" latinLnBrk="0" hangingPunct="1">
+                        <a:lnSpc>
+                          <a:spcPct val="100000"/>
+                        </a:lnSpc>
+                        <a:spcBef>
+                          <a:spcPts val="0"/>
+                        </a:spcBef>
+                        <a:spcAft>
+                          <a:spcPts val="0"/>
+                        </a:spcAft>
+                        <a:buClrTx/>
+                        <a:buSzTx/>
+                        <a:buFont typeface="Arial" panose="020B0604020202020204" pitchFamily="34" charset="0"/>
+                        <a:buNone/>
+                        <a:tabLst/>
+                        <a:defRPr/>
+                      </a:pPr>
+                      <a:r>
+                        <a:rPr lang="en-US" sz="3600" i="0" kern="1200" dirty="0">
+                          <a:solidFill>
+                            <a:schemeClr val="tx1"/>
+                          </a:solidFill>
+                          <a:effectLst/>
+                          <a:latin typeface="+mn-lt"/>
+                          <a:ea typeface="+mn-ea"/>
+                          <a:cs typeface="+mn-cs"/>
+                          <a:hlinkClick r:id="rId4"/>
                         </a:rPr>
                         <a:t>https://www.bls.gov/tus/atuscpscodebk16.pdf</a:t>
                       </a:r>
@@ -5777,7 +5838,48 @@
                         </a:spcAft>
                         <a:buClrTx/>
                         <a:buSzTx/>
-                        <a:buFont typeface="+mj-lt"/>
+                        <a:buFont typeface="Arial" panose="020B0604020202020204" pitchFamily="34" charset="0"/>
+                        <a:buNone/>
+                        <a:tabLst/>
+                        <a:defRPr/>
+                      </a:pPr>
+                      <a:r>
+                        <a:rPr lang="en-US" sz="3600" i="0" kern="1200" dirty="0">
+                          <a:solidFill>
+                            <a:schemeClr val="tx1"/>
+                          </a:solidFill>
+                          <a:effectLst/>
+                          <a:latin typeface="+mn-lt"/>
+                          <a:ea typeface="+mn-ea"/>
+                          <a:cs typeface="+mn-cs"/>
+                          <a:hlinkClick r:id="rId5"/>
+                        </a:rPr>
+                        <a:t>https://www.bls.gov/tus/atusintcodebk16.pdf</a:t>
+                      </a:r>
+                      <a:endParaRPr lang="en-US" sz="3600" i="0" kern="1200" dirty="0">
+                        <a:solidFill>
+                          <a:schemeClr val="tx1"/>
+                        </a:solidFill>
+                        <a:effectLst/>
+                        <a:latin typeface="+mn-lt"/>
+                        <a:ea typeface="+mn-ea"/>
+                        <a:cs typeface="+mn-cs"/>
+                      </a:endParaRPr>
+                    </a:p>
+                    <a:p>
+                      <a:pPr marL="0" marR="0" indent="0" algn="just" defTabSz="822960" rtl="0" eaLnBrk="1" fontAlgn="auto" latinLnBrk="0" hangingPunct="1">
+                        <a:lnSpc>
+                          <a:spcPct val="100000"/>
+                        </a:lnSpc>
+                        <a:spcBef>
+                          <a:spcPts val="0"/>
+                        </a:spcBef>
+                        <a:spcAft>
+                          <a:spcPts val="0"/>
+                        </a:spcAft>
+                        <a:buClrTx/>
+                        <a:buSzTx/>
+                        <a:buFont typeface="Arial" panose="020B0604020202020204" pitchFamily="34" charset="0"/>
                         <a:buNone/>
                         <a:tabLst/>
                         <a:defRPr/>
@@ -5792,60 +5894,8 @@
                           <a:ea typeface="+mn-ea"/>
                           <a:cs typeface="+mn-cs"/>
                         </a:rPr>
-                        <a:t> </a:t>
+                        <a:t> Accessed June 2017</a:t>
                       </a:r>
-                    </a:p>
-                    <a:p>
-                      <a:pPr marL="0" marR="0" indent="0" algn="just" defTabSz="822960" rtl="0" eaLnBrk="1" fontAlgn="auto" latinLnBrk="0" hangingPunct="1">
-                        <a:lnSpc>
-                          <a:spcPct val="100000"/>
-                        </a:lnSpc>
-                        <a:spcBef>
-                          <a:spcPts val="0"/>
-                        </a:spcBef>
-                        <a:spcAft>
-                          <a:spcPts val="0"/>
-                        </a:spcAft>
-                        <a:buClrTx/>
-                        <a:buSzTx/>
-                        <a:buFont typeface="+mj-lt"/>
-                        <a:buNone/>
-                        <a:tabLst/>
-                        <a:defRPr/>
-                      </a:pPr>
-                      <a:r>
-                        <a:rPr lang="en-US" sz="3600" i="0" kern="1200" dirty="0">
-                          <a:solidFill>
-                            <a:schemeClr val="tx1"/>
-                          </a:solidFill>
-                          <a:effectLst/>
-                          <a:latin typeface="+mn-lt"/>
-                          <a:ea typeface="+mn-ea"/>
-                          <a:cs typeface="+mn-cs"/>
-                        </a:rPr>
-                        <a:t>The </a:t>
-                      </a:r>
-                      <a:r>
-                        <a:rPr lang="en-US" sz="3600" i="0" kern="1200">
-                          <a:solidFill>
-                            <a:schemeClr val="tx1"/>
-                          </a:solidFill>
-                          <a:effectLst/>
-                          <a:latin typeface="+mn-lt"/>
-                          <a:ea typeface="+mn-ea"/>
-                          <a:cs typeface="+mn-cs"/>
-                        </a:rPr>
-                        <a:t>American times</a:t>
-                      </a:r>
-                      <a:endParaRPr lang="en-US" sz="3600" i="0" kern="1200" dirty="0">
-                        <a:solidFill>
-                          <a:schemeClr val="tx1"/>
-                        </a:solidFill>
-                        <a:effectLst/>
-                        <a:latin typeface="+mn-lt"/>
-                        <a:ea typeface="+mn-ea"/>
-                        <a:cs typeface="+mn-cs"/>
-                      </a:endParaRPr>
                     </a:p>
                   </a:txBody>
                   <a:tcPr marL="305668" marR="305668" marT="122246" marB="122246" horzOverflow="overflow">
@@ -6248,7 +6298,7 @@
           <p:nvPr>
             <p:extLst>
               <p:ext uri="{D42A27DB-BD31-4B8C-83A1-F6EECF244321}">
-                <p14:modId xmlns:p14="http://schemas.microsoft.com/office/powerpoint/2010/main" val="3388722029"/>
+                <p14:modId xmlns:p14="http://schemas.microsoft.com/office/powerpoint/2010/main" val="4186559542"/>
               </p:ext>
             </p:extLst>
           </p:nvPr>
@@ -6302,7 +6352,7 @@
                           <a:ea typeface="+mn-ea"/>
                           <a:cs typeface="+mn-cs"/>
                         </a:rPr>
-                        <a:t>The American Times used a survey to keep track on what people are doing in a daily basis. People were asked to keep A diary for one day and recorded the amount of time spend doing such activity.</a:t>
+                        <a:t>The American Times used a survey to keep track on what people are doing in a daily basis. People were asked to keep a diary for one day and recorded the amount of time spend doing such activity.</a:t>
                       </a:r>
                     </a:p>
                   </a:txBody>
@@ -6514,21 +6564,21 @@
           <p:nvPr>
             <p:extLst>
               <p:ext uri="{D42A27DB-BD31-4B8C-83A1-F6EECF244321}">
-                <p14:modId xmlns:p14="http://schemas.microsoft.com/office/powerpoint/2010/main" val="232363110"/>
+                <p14:modId xmlns:p14="http://schemas.microsoft.com/office/powerpoint/2010/main" val="3963018971"/>
               </p:ext>
             </p:extLst>
           </p:nvPr>
         </p:nvGraphicFramePr>
         <p:xfrm>
           <a:off x="364692" y="10441604"/>
-          <a:ext cx="9144000" cy="7102492"/>
+          <a:ext cx="9459328" cy="6431932"/>
         </p:xfrm>
         <a:graphic>
           <a:graphicData uri="http://schemas.openxmlformats.org/drawingml/2006/table">
             <a:tbl>
               <a:tblPr/>
               <a:tblGrid>
-                <a:gridCol w="9144000">
+                <a:gridCol w="9459328">
                   <a:extLst>
                     <a:ext uri="{9D8B030D-6E8A-4147-A177-3AD203B41FA5}">
                       <a16:colId xmlns:a16="http://schemas.microsoft.com/office/drawing/2014/main" val="20000"/>
@@ -6560,16 +6610,17 @@
                         <a:defRPr/>
                       </a:pPr>
                       <a:r>
-                        <a:rPr lang="en-US" sz="4400" kern="1200" baseline="0" dirty="0">
-                          <a:solidFill>
-                            <a:schemeClr val="tx1"/>
-                          </a:solidFill>
-                          <a:latin typeface="+mn-lt"/>
-                          <a:ea typeface="+mn-ea"/>
-                          <a:cs typeface="+mn-cs"/>
-                        </a:rPr>
-                        <a:t>Do a Women or men spend more time with their children.</a:t>
+                        <a:rPr lang="en-US" sz="4400" dirty="0"/>
+                        <a:t>Is the time spent with children greater for men, or for women?</a:t>
                       </a:r>
+                      <a:endParaRPr lang="en-US" sz="4400" kern="1200" baseline="0" dirty="0">
+                        <a:solidFill>
+                          <a:schemeClr val="tx1"/>
+                        </a:solidFill>
+                        <a:latin typeface="+mn-lt"/>
+                        <a:ea typeface="+mn-ea"/>
+                        <a:cs typeface="+mn-cs"/>
+                      </a:endParaRPr>
                     </a:p>
                     <a:p>
                       <a:pPr marL="685800" marR="0" indent="-685800" algn="just" defTabSz="822960" rtl="0" eaLnBrk="1" fontAlgn="auto" latinLnBrk="0" hangingPunct="1">
@@ -6598,7 +6649,7 @@
                           <a:ea typeface="+mn-ea"/>
                           <a:cs typeface="+mn-cs"/>
                         </a:rPr>
-                        <a:t>Does working full and or part time affect the time spend with their children.</a:t>
+                        <a:t>Does working full or part time affect the time spend with their children.</a:t>
                       </a:r>
                     </a:p>
                     <a:p>
@@ -6620,6 +6671,10 @@
                         <a:defRPr/>
                       </a:pPr>
                       <a:r>
+                        <a:rPr lang="en-US" sz="4400" dirty="0"/>
+                        <a:t>Does the age of married parents affect the time shared with their children?</a:t>
+                      </a:r>
+                      <a:r>
                         <a:rPr lang="en-US" sz="4400" kern="1200" baseline="0" dirty="0">
                           <a:solidFill>
                             <a:schemeClr val="tx1"/>
@@ -6628,35 +6683,8 @@
                           <a:ea typeface="+mn-ea"/>
                           <a:cs typeface="+mn-cs"/>
                         </a:rPr>
-                        <a:t>Does age and if the parents are married have an impact on time spend with their children.</a:t>
+                        <a:t> </a:t>
                       </a:r>
-                    </a:p>
-                    <a:p>
-                      <a:pPr marL="685800" marR="0" indent="-685800" algn="just" defTabSz="822960" rtl="0" eaLnBrk="1" fontAlgn="auto" latinLnBrk="0" hangingPunct="1">
-                        <a:lnSpc>
-                          <a:spcPct val="100000"/>
-                        </a:lnSpc>
-                        <a:spcBef>
-                          <a:spcPts val="0"/>
-                        </a:spcBef>
-                        <a:spcAft>
-                          <a:spcPts val="0"/>
-                        </a:spcAft>
-                        <a:buClrTx/>
-                        <a:buSzTx/>
-                        <a:buFont typeface="Arial" panose="020B0604020202020204" pitchFamily="34" charset="0"/>
-                        <a:buChar char="•"/>
-                        <a:tabLst/>
-                        <a:defRPr/>
-                      </a:pPr>
-                      <a:endParaRPr lang="en-US" sz="4400" kern="1200" baseline="0" dirty="0">
-                        <a:solidFill>
-                          <a:schemeClr val="tx1"/>
-                        </a:solidFill>
-                        <a:latin typeface="+mn-lt"/>
-                        <a:ea typeface="+mn-ea"/>
-                        <a:cs typeface="+mn-cs"/>
-                      </a:endParaRPr>
                     </a:p>
                     <a:p>
                       <a:pPr marL="0" marR="0" indent="0" algn="just" defTabSz="822960" rtl="0" eaLnBrk="1" fontAlgn="auto" latinLnBrk="0" hangingPunct="1">
@@ -6894,7 +6922,7 @@
           <p:nvPr/>
         </p:nvPicPr>
         <p:blipFill>
-          <a:blip r:embed="rId4">
+          <a:blip r:embed="rId6">
             <a:clrChange>
               <a:clrFrom>
                 <a:srgbClr val="FFFFFF"/>
@@ -6934,7 +6962,7 @@
           <p:nvPr/>
         </p:nvPicPr>
         <p:blipFill>
-          <a:blip r:embed="rId5" cstate="print">
+          <a:blip r:embed="rId7" cstate="print">
             <a:extLst>
               <a:ext uri="{28A0092B-C50C-407E-A947-70E740481C1C}">
                 <a14:useLocalDpi xmlns:a14="http://schemas.microsoft.com/office/drawing/2010/main" val="0"/>
@@ -6964,7 +6992,7 @@
           <p:nvPr/>
         </p:nvPicPr>
         <p:blipFill>
-          <a:blip r:embed="rId6">
+          <a:blip r:embed="rId8">
             <a:clrChange>
               <a:clrFrom>
                 <a:srgbClr val="FFFFFF"/>
@@ -7004,7 +7032,7 @@
           <p:nvPr/>
         </p:nvPicPr>
         <p:blipFill>
-          <a:blip r:embed="rId7">
+          <a:blip r:embed="rId9">
             <a:clrChange>
               <a:clrFrom>
                 <a:srgbClr val="FFFFFF"/>
@@ -7044,7 +7072,7 @@
           <p:nvPr/>
         </p:nvPicPr>
         <p:blipFill>
-          <a:blip r:embed="rId8">
+          <a:blip r:embed="rId10">
             <a:extLst>
               <a:ext uri="{28A0092B-C50C-407E-A947-70E740481C1C}">
                 <a14:useLocalDpi xmlns:a14="http://schemas.microsoft.com/office/drawing/2010/main" val="0"/>
@@ -7080,14 +7108,14 @@
           <p:nvPr/>
         </p:nvPicPr>
         <p:blipFill>
-          <a:blip r:embed="rId9"/>
+          <a:blip r:embed="rId11"/>
           <a:stretch>
             <a:fillRect/>
           </a:stretch>
         </p:blipFill>
         <p:spPr>
           <a:xfrm>
-            <a:off x="10149846" y="10695007"/>
+            <a:off x="10213995" y="16659924"/>
             <a:ext cx="9675099" cy="6910785"/>
           </a:xfrm>
           <a:prstGeom prst="rect">
@@ -7110,7 +7138,7 @@
           <p:nvPr>
             <p:extLst>
               <p:ext uri="{D42A27DB-BD31-4B8C-83A1-F6EECF244321}">
-                <p14:modId xmlns:p14="http://schemas.microsoft.com/office/powerpoint/2010/main" val="1118822529"/>
+                <p14:modId xmlns:p14="http://schemas.microsoft.com/office/powerpoint/2010/main" val="1487110507"/>
               </p:ext>
             </p:extLst>
           </p:nvPr>
@@ -7188,19 +7216,6 @@
                         <a:defRPr/>
                       </a:pPr>
                       <a:r>
-                        <a:rPr kumimoji="0" lang="en-US" sz="4800" b="0" i="0" u="none" strike="noStrike" cap="none" normalizeH="0" baseline="0" dirty="0" err="1">
-                          <a:ln>
-                            <a:noFill/>
-                          </a:ln>
-                          <a:solidFill>
-                            <a:schemeClr val="tx1"/>
-                          </a:solidFill>
-                          <a:effectLst/>
-                          <a:latin typeface="Arial" charset="0"/>
-                        </a:rPr>
-                        <a:t>Avgerage</a:t>
-                      </a:r>
-                      <a:r>
                         <a:rPr kumimoji="0" lang="en-US" sz="4800" b="0" i="0" u="none" strike="noStrike" cap="none" normalizeH="0" baseline="0" dirty="0">
                           <a:ln>
                             <a:noFill/>
@@ -7211,7 +7226,7 @@
                           <a:effectLst/>
                           <a:latin typeface="Arial" charset="0"/>
                         </a:rPr>
-                        <a:t> parent spend childcare</a:t>
+                        <a:t>Average parent spend childcare</a:t>
                       </a:r>
                     </a:p>
                   </a:txBody>
@@ -7356,13 +7371,13 @@
           <p:nvPr>
             <p:extLst>
               <p:ext uri="{D42A27DB-BD31-4B8C-83A1-F6EECF244321}">
-                <p14:modId xmlns:p14="http://schemas.microsoft.com/office/powerpoint/2010/main" val="2545075711"/>
+                <p14:modId xmlns:p14="http://schemas.microsoft.com/office/powerpoint/2010/main" val="2970923719"/>
               </p:ext>
             </p:extLst>
           </p:nvPr>
         </p:nvGraphicFramePr>
         <p:xfrm>
-          <a:off x="18554700" y="13449300"/>
+          <a:off x="18587357" y="19306754"/>
           <a:ext cx="3390900" cy="1981200"/>
         </p:xfrm>
         <a:graphic>
@@ -7457,12 +7472,57 @@
           </a:graphicData>
         </a:graphic>
       </p:graphicFrame>
+      <p:sp>
+        <p:nvSpPr>
+          <p:cNvPr id="2" name="AutoShape 2">
+            <a:extLst>
+              <a:ext uri="{FF2B5EF4-FFF2-40B4-BE49-F238E27FC236}">
+                <a16:creationId xmlns:a16="http://schemas.microsoft.com/office/drawing/2014/main" id="{E151E2F4-D556-429A-8047-E0634E7C08F3}"/>
+              </a:ext>
+            </a:extLst>
+          </p:cNvPr>
+          <p:cNvSpPr>
+            <a:spLocks noChangeAspect="1" noChangeArrowheads="1"/>
+          </p:cNvSpPr>
+          <p:nvPr/>
+        </p:nvSpPr>
+        <p:spPr bwMode="auto">
+          <a:xfrm>
+            <a:off x="16306800" y="12192000"/>
+            <a:ext cx="304800" cy="304800"/>
+          </a:xfrm>
+          <a:prstGeom prst="rect">
+            <a:avLst/>
+          </a:prstGeom>
+          <a:noFill/>
+          <a:extLst>
+            <a:ext uri="{909E8E84-426E-40DD-AFC4-6F175D3DCCD1}">
+              <a14:hiddenFill xmlns:a14="http://schemas.microsoft.com/office/drawing/2010/main">
+                <a:solidFill>
+                  <a:srgbClr val="FFFFFF"/>
+                </a:solidFill>
+              </a14:hiddenFill>
+            </a:ext>
+          </a:extLst>
+        </p:spPr>
+        <p:txBody>
+          <a:bodyPr vert="horz" wrap="square" lIns="91440" tIns="45720" rIns="91440" bIns="45720" numCol="1" anchor="t" anchorCtr="0" compatLnSpc="1">
+            <a:prstTxWarp prst="textNoShape">
+              <a:avLst/>
+            </a:prstTxWarp>
+          </a:bodyPr>
+          <a:lstStyle/>
+          <a:p>
+            <a:endParaRPr lang="en-US"/>
+          </a:p>
+        </p:txBody>
+      </p:sp>
       <p:pic>
         <p:nvPicPr>
-          <p:cNvPr id="17" name="Picture 16">
+          <p:cNvPr id="5" name="Picture 4">
             <a:extLst>
               <a:ext uri="{FF2B5EF4-FFF2-40B4-BE49-F238E27FC236}">
-                <a16:creationId xmlns:a16="http://schemas.microsoft.com/office/drawing/2014/main" id="{34ADB2AC-799B-40B7-93CC-8CFE6CE3E5E6}"/>
+                <a16:creationId xmlns:a16="http://schemas.microsoft.com/office/drawing/2014/main" id="{1ADC9540-F432-4549-A29F-F96E82A7D585}"/>
               </a:ext>
             </a:extLst>
           </p:cNvPr>
@@ -7472,21 +7532,355 @@
           <p:nvPr/>
         </p:nvPicPr>
         <p:blipFill>
-          <a:blip r:embed="rId10"/>
+          <a:blip r:embed="rId12"/>
           <a:stretch>
             <a:fillRect/>
           </a:stretch>
         </p:blipFill>
         <p:spPr>
           <a:xfrm>
-            <a:off x="11887200" y="17958029"/>
-            <a:ext cx="9143999" cy="5359171"/>
+            <a:off x="11177453" y="10935685"/>
+            <a:ext cx="10768147" cy="5226883"/>
           </a:xfrm>
           <a:prstGeom prst="rect">
             <a:avLst/>
           </a:prstGeom>
         </p:spPr>
       </p:pic>
+      <p:graphicFrame>
+        <p:nvGraphicFramePr>
+          <p:cNvPr id="12" name="Table 15">
+            <a:extLst>
+              <a:ext uri="{FF2B5EF4-FFF2-40B4-BE49-F238E27FC236}">
+                <a16:creationId xmlns:a16="http://schemas.microsoft.com/office/drawing/2014/main" id="{FAB76987-FECC-4F04-98BF-F196B8B1CE71}"/>
+              </a:ext>
+            </a:extLst>
+          </p:cNvPr>
+          <p:cNvGraphicFramePr>
+            <a:graphicFrameLocks noGrp="1"/>
+          </p:cNvGraphicFramePr>
+          <p:nvPr>
+            <p:extLst>
+              <p:ext uri="{D42A27DB-BD31-4B8C-83A1-F6EECF244321}">
+                <p14:modId xmlns:p14="http://schemas.microsoft.com/office/powerpoint/2010/main" val="325923437"/>
+              </p:ext>
+            </p:extLst>
+          </p:nvPr>
+        </p:nvGraphicFramePr>
+        <p:xfrm>
+          <a:off x="5486400" y="5029200"/>
+          <a:ext cx="21945600" cy="370840"/>
+        </p:xfrm>
+        <a:graphic>
+          <a:graphicData uri="http://schemas.openxmlformats.org/drawingml/2006/table">
+            <a:tbl>
+              <a:tblPr firstRow="1" bandRow="1">
+                <a:tableStyleId>{2D5ABB26-0587-4C30-8999-92F81FD0307C}</a:tableStyleId>
+              </a:tblPr>
+              <a:tblGrid>
+                <a:gridCol w="21945600">
+                  <a:extLst>
+                    <a:ext uri="{9D8B030D-6E8A-4147-A177-3AD203B41FA5}">
+                      <a16:colId xmlns:a16="http://schemas.microsoft.com/office/drawing/2014/main" val="3178170823"/>
+                    </a:ext>
+                  </a:extLst>
+                </a:gridCol>
+              </a:tblGrid>
+              <a:tr h="370840">
+                <a:tc>
+                  <a:txBody>
+                    <a:bodyPr/>
+                    <a:lstStyle/>
+                    <a:p>
+                      <a:endParaRPr lang="en-US" dirty="0"/>
+                    </a:p>
+                  </a:txBody>
+                  <a:tcPr/>
+                </a:tc>
+                <a:extLst>
+                  <a:ext uri="{0D108BD9-81ED-4DB2-BD59-A6C34878D82A}">
+                    <a16:rowId xmlns:a16="http://schemas.microsoft.com/office/drawing/2014/main" val="65375044"/>
+                  </a:ext>
+                </a:extLst>
+              </a:tr>
+            </a:tbl>
+          </a:graphicData>
+        </a:graphic>
+      </p:graphicFrame>
+      <p:graphicFrame>
+        <p:nvGraphicFramePr>
+          <p:cNvPr id="16" name="Table 16">
+            <a:extLst>
+              <a:ext uri="{FF2B5EF4-FFF2-40B4-BE49-F238E27FC236}">
+                <a16:creationId xmlns:a16="http://schemas.microsoft.com/office/drawing/2014/main" id="{72729712-BB01-48DF-94D3-DA650639AF66}"/>
+              </a:ext>
+            </a:extLst>
+          </p:cNvPr>
+          <p:cNvGraphicFramePr>
+            <a:graphicFrameLocks noGrp="1"/>
+          </p:cNvGraphicFramePr>
+          <p:nvPr>
+            <p:extLst>
+              <p:ext uri="{D42A27DB-BD31-4B8C-83A1-F6EECF244321}">
+                <p14:modId xmlns:p14="http://schemas.microsoft.com/office/powerpoint/2010/main" val="3299975597"/>
+              </p:ext>
+            </p:extLst>
+          </p:nvPr>
+        </p:nvGraphicFramePr>
+        <p:xfrm>
+          <a:off x="20504238" y="13258800"/>
+          <a:ext cx="1342039" cy="943098"/>
+        </p:xfrm>
+        <a:graphic>
+          <a:graphicData uri="http://schemas.openxmlformats.org/drawingml/2006/table">
+            <a:tbl>
+              <a:tblPr firstRow="1" bandRow="1">
+                <a:tableStyleId>{2D5ABB26-0587-4C30-8999-92F81FD0307C}</a:tableStyleId>
+              </a:tblPr>
+              <a:tblGrid>
+                <a:gridCol w="1342039">
+                  <a:extLst>
+                    <a:ext uri="{9D8B030D-6E8A-4147-A177-3AD203B41FA5}">
+                      <a16:colId xmlns:a16="http://schemas.microsoft.com/office/drawing/2014/main" val="1143238241"/>
+                    </a:ext>
+                  </a:extLst>
+                </a:gridCol>
+              </a:tblGrid>
+              <a:tr h="943098">
+                <a:tc>
+                  <a:txBody>
+                    <a:bodyPr/>
+                    <a:lstStyle/>
+                    <a:p>
+                      <a:r>
+                        <a:rPr lang="en-US" sz="1400" b="0" cap="none" spc="0" dirty="0">
+                          <a:ln w="0"/>
+                          <a:solidFill>
+                            <a:schemeClr val="tx1"/>
+                          </a:solidFill>
+                          <a:effectLst>
+                            <a:outerShdw blurRad="38100" dist="19050" dir="2700000" algn="tl" rotWithShape="0">
+                              <a:schemeClr val="dk1">
+                                <a:alpha val="40000"/>
+                              </a:schemeClr>
+                            </a:outerShdw>
+                          </a:effectLst>
+                        </a:rPr>
+                        <a:t>Unemployed </a:t>
+                      </a:r>
+                    </a:p>
+                    <a:p>
+                      <a:pPr marL="0" marR="0" lvl="0" indent="0" algn="l" defTabSz="658352" rtl="0" eaLnBrk="1" fontAlgn="auto" latinLnBrk="0" hangingPunct="1">
+                        <a:lnSpc>
+                          <a:spcPct val="100000"/>
+                        </a:lnSpc>
+                        <a:spcBef>
+                          <a:spcPts val="0"/>
+                        </a:spcBef>
+                        <a:spcAft>
+                          <a:spcPts val="0"/>
+                        </a:spcAft>
+                        <a:buClrTx/>
+                        <a:buSzTx/>
+                        <a:buFontTx/>
+                        <a:buNone/>
+                        <a:tabLst/>
+                        <a:defRPr/>
+                      </a:pPr>
+                      <a:r>
+                        <a:rPr lang="en-US" sz="1400" dirty="0">
+                          <a:solidFill>
+                            <a:schemeClr val="tx1"/>
+                          </a:solidFill>
+                        </a:rPr>
+                        <a:t>Full time </a:t>
+                      </a:r>
+                    </a:p>
+                    <a:p>
+                      <a:pPr marL="0" marR="0" lvl="0" indent="0" algn="l" defTabSz="658352" rtl="0" eaLnBrk="1" fontAlgn="auto" latinLnBrk="0" hangingPunct="1">
+                        <a:lnSpc>
+                          <a:spcPct val="100000"/>
+                        </a:lnSpc>
+                        <a:spcBef>
+                          <a:spcPts val="0"/>
+                        </a:spcBef>
+                        <a:spcAft>
+                          <a:spcPts val="0"/>
+                        </a:spcAft>
+                        <a:buClrTx/>
+                        <a:buSzTx/>
+                        <a:buFontTx/>
+                        <a:buNone/>
+                        <a:tabLst/>
+                        <a:defRPr/>
+                      </a:pPr>
+                      <a:r>
+                        <a:rPr lang="en-US" sz="1400" dirty="0">
+                          <a:solidFill>
+                            <a:schemeClr val="tx1"/>
+                          </a:solidFill>
+                        </a:rPr>
+                        <a:t>Part time </a:t>
+                      </a:r>
+                    </a:p>
+                    <a:p>
+                      <a:endParaRPr lang="en-US" dirty="0"/>
+                    </a:p>
+                  </a:txBody>
+                  <a:tcPr>
+                    <a:lnL w="12700" cap="flat" cmpd="sng" algn="ctr">
+                      <a:solidFill>
+                        <a:schemeClr val="tx1"/>
+                      </a:solidFill>
+                      <a:prstDash val="solid"/>
+                      <a:round/>
+                      <a:headEnd type="none" w="med" len="med"/>
+                      <a:tailEnd type="none" w="med" len="med"/>
+                    </a:lnL>
+                    <a:lnR w="12700" cap="flat" cmpd="sng" algn="ctr">
+                      <a:solidFill>
+                        <a:schemeClr val="tx1"/>
+                      </a:solidFill>
+                      <a:prstDash val="solid"/>
+                      <a:round/>
+                      <a:headEnd type="none" w="med" len="med"/>
+                      <a:tailEnd type="none" w="med" len="med"/>
+                    </a:lnR>
+                    <a:lnT w="12700" cap="flat" cmpd="sng" algn="ctr">
+                      <a:solidFill>
+                        <a:schemeClr val="tx1"/>
+                      </a:solidFill>
+                      <a:prstDash val="solid"/>
+                      <a:round/>
+                      <a:headEnd type="none" w="med" len="med"/>
+                      <a:tailEnd type="none" w="med" len="med"/>
+                    </a:lnT>
+                    <a:lnB w="12700" cap="flat" cmpd="sng" algn="ctr">
+                      <a:solidFill>
+                        <a:schemeClr val="tx1"/>
+                      </a:solidFill>
+                      <a:prstDash val="solid"/>
+                      <a:round/>
+                      <a:headEnd type="none" w="med" len="med"/>
+                      <a:tailEnd type="none" w="med" len="med"/>
+                    </a:lnB>
+                  </a:tcPr>
+                </a:tc>
+                <a:extLst>
+                  <a:ext uri="{0D108BD9-81ED-4DB2-BD59-A6C34878D82A}">
+                    <a16:rowId xmlns:a16="http://schemas.microsoft.com/office/drawing/2014/main" val="1900972776"/>
+                  </a:ext>
+                </a:extLst>
+              </a:tr>
+            </a:tbl>
+          </a:graphicData>
+        </a:graphic>
+      </p:graphicFrame>
+      <p:sp>
+        <p:nvSpPr>
+          <p:cNvPr id="9" name="TextBox 8">
+            <a:extLst>
+              <a:ext uri="{FF2B5EF4-FFF2-40B4-BE49-F238E27FC236}">
+                <a16:creationId xmlns:a16="http://schemas.microsoft.com/office/drawing/2014/main" id="{CC9D4729-7BF5-4C6F-95EF-8B258496A389}"/>
+              </a:ext>
+            </a:extLst>
+          </p:cNvPr>
+          <p:cNvSpPr txBox="1"/>
+          <p:nvPr/>
+        </p:nvSpPr>
+        <p:spPr>
+          <a:xfrm>
+            <a:off x="18845909" y="9586697"/>
+            <a:ext cx="1280980" cy="707886"/>
+          </a:xfrm>
+          <a:prstGeom prst="rect">
+            <a:avLst/>
+          </a:prstGeom>
+          <a:noFill/>
+        </p:spPr>
+        <p:txBody>
+          <a:bodyPr wrap="square" rtlCol="0">
+            <a:spAutoFit/>
+          </a:bodyPr>
+          <a:lstStyle/>
+          <a:p>
+            <a:r>
+              <a:rPr lang="en-US" sz="4000" dirty="0"/>
+              <a:t>F1</a:t>
+            </a:r>
+          </a:p>
+        </p:txBody>
+      </p:sp>
+      <p:sp>
+        <p:nvSpPr>
+          <p:cNvPr id="14" name="TextBox 13">
+            <a:extLst>
+              <a:ext uri="{FF2B5EF4-FFF2-40B4-BE49-F238E27FC236}">
+                <a16:creationId xmlns:a16="http://schemas.microsoft.com/office/drawing/2014/main" id="{A3BB704F-2E67-4A3F-8605-A35114807662}"/>
+              </a:ext>
+            </a:extLst>
+          </p:cNvPr>
+          <p:cNvSpPr txBox="1"/>
+          <p:nvPr/>
+        </p:nvSpPr>
+        <p:spPr>
+          <a:xfrm>
+            <a:off x="19510513" y="14930606"/>
+            <a:ext cx="1342039" cy="769441"/>
+          </a:xfrm>
+          <a:prstGeom prst="rect">
+            <a:avLst/>
+          </a:prstGeom>
+          <a:noFill/>
+        </p:spPr>
+        <p:txBody>
+          <a:bodyPr wrap="square" rtlCol="0">
+            <a:spAutoFit/>
+          </a:bodyPr>
+          <a:lstStyle/>
+          <a:p>
+            <a:r>
+              <a:rPr lang="en-US" sz="4400" dirty="0"/>
+              <a:t>F3</a:t>
+            </a:r>
+          </a:p>
+        </p:txBody>
+      </p:sp>
+      <p:sp>
+        <p:nvSpPr>
+          <p:cNvPr id="17" name="TextBox 16">
+            <a:extLst>
+              <a:ext uri="{FF2B5EF4-FFF2-40B4-BE49-F238E27FC236}">
+                <a16:creationId xmlns:a16="http://schemas.microsoft.com/office/drawing/2014/main" id="{0C2FA448-B455-4E3F-B92E-8CE4BE1338A0}"/>
+              </a:ext>
+            </a:extLst>
+          </p:cNvPr>
+          <p:cNvSpPr txBox="1"/>
+          <p:nvPr/>
+        </p:nvSpPr>
+        <p:spPr>
+          <a:xfrm>
+            <a:off x="17708715" y="22031482"/>
+            <a:ext cx="2136913" cy="830997"/>
+          </a:xfrm>
+          <a:prstGeom prst="rect">
+            <a:avLst/>
+          </a:prstGeom>
+          <a:noFill/>
+        </p:spPr>
+        <p:txBody>
+          <a:bodyPr wrap="square" rtlCol="0">
+            <a:spAutoFit/>
+          </a:bodyPr>
+          <a:lstStyle/>
+          <a:p>
+            <a:r>
+              <a:rPr lang="en-US" sz="4800" dirty="0"/>
+              <a:t>F2</a:t>
+            </a:r>
+          </a:p>
+        </p:txBody>
+      </p:sp>
     </p:spTree>
   </p:cSld>
   <p:clrMapOvr>
